--- a/Materi.pptx
+++ b/Materi.pptx
@@ -10770,8 +10770,8 @@
       </p:transition>
     </mc:Fallback>
   </mc:AlternateContent>
-  <mc:AlternateContent xmlns:mc="http://schemas.openxmlformats.org/markup-compatibility/2006">
-    <mc:Choice xmlns:p14="http://schemas.microsoft.com/office/powerpoint/2010/main" Requires="p14">
+  <mc:AlternateContent xmlns:mc="http://schemas.openxmlformats.org/markup-compatibility/2006" xmlns:p14="http://schemas.microsoft.com/office/powerpoint/2010/main">
+    <mc:Choice Requires="p14">
       <p:timing>
         <p:tnLst>
           <p:par>
@@ -11202,7 +11202,7 @@
         </p:bldLst>
       </p:timing>
     </mc:Choice>
-    <mc:Fallback>
+    <mc:Fallback xmlns="">
       <p:timing>
         <p:tnLst>
           <p:par>
@@ -12099,490 +12099,6 @@
           </p:txBody>
         </p:sp>
       </p:grpSp>
-      <p:grpSp>
-        <p:nvGrpSpPr>
-          <p:cNvPr id="54" name="Group 53">
-            <a:extLst>
-              <a:ext uri="{FF2B5EF4-FFF2-40B4-BE49-F238E27FC236}">
-                <a16:creationId xmlns:a16="http://schemas.microsoft.com/office/drawing/2014/main" id="{15CFB287-B4C8-4A58-BF6A-0F5230D552F5}"/>
-              </a:ext>
-            </a:extLst>
-          </p:cNvPr>
-          <p:cNvGrpSpPr/>
-          <p:nvPr/>
-        </p:nvGrpSpPr>
-        <p:grpSpPr>
-          <a:xfrm>
-            <a:off x="1860432" y="3878192"/>
-            <a:ext cx="3756066" cy="822960"/>
-            <a:chOff x="7223860" y="1309772"/>
-            <a:chExt cx="3756066" cy="822960"/>
-          </a:xfrm>
-        </p:grpSpPr>
-        <p:grpSp>
-          <p:nvGrpSpPr>
-            <p:cNvPr id="55" name="Group 54">
-              <a:extLst>
-                <a:ext uri="{FF2B5EF4-FFF2-40B4-BE49-F238E27FC236}">
-                  <a16:creationId xmlns:a16="http://schemas.microsoft.com/office/drawing/2014/main" id="{AB8D5742-DBC6-47AF-97DD-AA6E64630B66}"/>
-                </a:ext>
-              </a:extLst>
-            </p:cNvPr>
-            <p:cNvGrpSpPr/>
-            <p:nvPr/>
-          </p:nvGrpSpPr>
-          <p:grpSpPr>
-            <a:xfrm>
-              <a:off x="7223860" y="1309772"/>
-              <a:ext cx="822960" cy="822960"/>
-              <a:chOff x="6651430" y="1309772"/>
-              <a:chExt cx="822960" cy="822960"/>
-            </a:xfrm>
-          </p:grpSpPr>
-          <p:sp>
-            <p:nvSpPr>
-              <p:cNvPr id="57" name="Oval 56">
-                <a:extLst>
-                  <a:ext uri="{FF2B5EF4-FFF2-40B4-BE49-F238E27FC236}">
-                    <a16:creationId xmlns:a16="http://schemas.microsoft.com/office/drawing/2014/main" id="{3BA6C250-FFC1-426E-9944-D92F324D82F6}"/>
-                  </a:ext>
-                </a:extLst>
-              </p:cNvPr>
-              <p:cNvSpPr/>
-              <p:nvPr/>
-            </p:nvSpPr>
-            <p:spPr>
-              <a:xfrm>
-                <a:off x="6651430" y="1309772"/>
-                <a:ext cx="822960" cy="822960"/>
-              </a:xfrm>
-              <a:prstGeom prst="ellipse">
-                <a:avLst/>
-              </a:prstGeom>
-              <a:solidFill>
-                <a:schemeClr val="tx1"/>
-              </a:solidFill>
-              <a:ln>
-                <a:noFill/>
-              </a:ln>
-            </p:spPr>
-            <p:style>
-              <a:lnRef idx="2">
-                <a:schemeClr val="accent1">
-                  <a:shade val="50000"/>
-                </a:schemeClr>
-              </a:lnRef>
-              <a:fillRef idx="1">
-                <a:schemeClr val="accent1"/>
-              </a:fillRef>
-              <a:effectRef idx="0">
-                <a:schemeClr val="accent1"/>
-              </a:effectRef>
-              <a:fontRef idx="minor">
-                <a:schemeClr val="lt1"/>
-              </a:fontRef>
-            </p:style>
-            <p:txBody>
-              <a:bodyPr rtlCol="0" anchor="ctr"/>
-              <a:lstStyle/>
-              <a:p>
-                <a:pPr algn="ctr"/>
-                <a:endParaRPr lang="en-US"/>
-              </a:p>
-            </p:txBody>
-          </p:sp>
-          <p:grpSp>
-            <p:nvGrpSpPr>
-              <p:cNvPr id="58" name="Group 57">
-                <a:extLst>
-                  <a:ext uri="{FF2B5EF4-FFF2-40B4-BE49-F238E27FC236}">
-                    <a16:creationId xmlns:a16="http://schemas.microsoft.com/office/drawing/2014/main" id="{4630E960-EB9F-4E76-879B-B97B381FEEE5}"/>
-                  </a:ext>
-                </a:extLst>
-              </p:cNvPr>
-              <p:cNvGrpSpPr/>
-              <p:nvPr/>
-            </p:nvGrpSpPr>
-            <p:grpSpPr>
-              <a:xfrm rot="2700000">
-                <a:off x="6914591" y="1571858"/>
-                <a:ext cx="307162" cy="351442"/>
-                <a:chOff x="2479477" y="1067641"/>
-                <a:chExt cx="719150" cy="822822"/>
-              </a:xfrm>
-              <a:effectLst/>
-            </p:grpSpPr>
-            <p:cxnSp>
-              <p:nvCxnSpPr>
-                <p:cNvPr id="59" name="Straight Connector 58">
-                  <a:extLst>
-                    <a:ext uri="{FF2B5EF4-FFF2-40B4-BE49-F238E27FC236}">
-                      <a16:creationId xmlns:a16="http://schemas.microsoft.com/office/drawing/2014/main" id="{11358987-5082-4E3C-A5A5-A1779E3BE0C8}"/>
-                    </a:ext>
-                  </a:extLst>
-                </p:cNvPr>
-                <p:cNvCxnSpPr>
-                  <a:cxnSpLocks/>
-                </p:cNvCxnSpPr>
-                <p:nvPr/>
-              </p:nvCxnSpPr>
-              <p:spPr>
-                <a:xfrm rot="18900000" flipH="1">
-                  <a:off x="2585166" y="1067641"/>
-                  <a:ext cx="613461" cy="579532"/>
-                </a:xfrm>
-                <a:prstGeom prst="line">
-                  <a:avLst/>
-                </a:prstGeom>
-                <a:ln w="95250">
-                  <a:solidFill>
-                    <a:schemeClr val="bg1"/>
-                  </a:solidFill>
-                </a:ln>
-              </p:spPr>
-              <p:style>
-                <a:lnRef idx="1">
-                  <a:schemeClr val="accent1"/>
-                </a:lnRef>
-                <a:fillRef idx="0">
-                  <a:schemeClr val="accent1"/>
-                </a:fillRef>
-                <a:effectRef idx="0">
-                  <a:schemeClr val="accent1"/>
-                </a:effectRef>
-                <a:fontRef idx="minor">
-                  <a:schemeClr val="tx1"/>
-                </a:fontRef>
-              </p:style>
-            </p:cxnSp>
-            <p:cxnSp>
-              <p:nvCxnSpPr>
-                <p:cNvPr id="60" name="Straight Connector 59">
-                  <a:extLst>
-                    <a:ext uri="{FF2B5EF4-FFF2-40B4-BE49-F238E27FC236}">
-                      <a16:creationId xmlns:a16="http://schemas.microsoft.com/office/drawing/2014/main" id="{D8A8FB59-B7BC-4C68-A4F9-9B2096B8876E}"/>
-                    </a:ext>
-                  </a:extLst>
-                </p:cNvPr>
-                <p:cNvCxnSpPr>
-                  <a:cxnSpLocks/>
-                </p:cNvCxnSpPr>
-                <p:nvPr/>
-              </p:nvCxnSpPr>
-              <p:spPr>
-                <a:xfrm rot="18900000" flipH="1" flipV="1">
-                  <a:off x="2479477" y="1448704"/>
-                  <a:ext cx="395323" cy="441759"/>
-                </a:xfrm>
-                <a:prstGeom prst="line">
-                  <a:avLst/>
-                </a:prstGeom>
-                <a:ln w="95250">
-                  <a:solidFill>
-                    <a:schemeClr val="bg1"/>
-                  </a:solidFill>
-                </a:ln>
-              </p:spPr>
-              <p:style>
-                <a:lnRef idx="1">
-                  <a:schemeClr val="accent1"/>
-                </a:lnRef>
-                <a:fillRef idx="0">
-                  <a:schemeClr val="accent1"/>
-                </a:fillRef>
-                <a:effectRef idx="0">
-                  <a:schemeClr val="accent1"/>
-                </a:effectRef>
-                <a:fontRef idx="minor">
-                  <a:schemeClr val="tx1"/>
-                </a:fontRef>
-              </p:style>
-            </p:cxnSp>
-          </p:grpSp>
-        </p:grpSp>
-        <p:sp>
-          <p:nvSpPr>
-            <p:cNvPr id="56" name="TextBox 55">
-              <a:extLst>
-                <a:ext uri="{FF2B5EF4-FFF2-40B4-BE49-F238E27FC236}">
-                  <a16:creationId xmlns:a16="http://schemas.microsoft.com/office/drawing/2014/main" id="{1C6B8074-5219-4C8D-9E22-0591FC281E22}"/>
-                </a:ext>
-              </a:extLst>
-            </p:cNvPr>
-            <p:cNvSpPr txBox="1"/>
-            <p:nvPr/>
-          </p:nvSpPr>
-          <p:spPr>
-            <a:xfrm>
-              <a:off x="8328983" y="1481651"/>
-              <a:ext cx="2650943" cy="461665"/>
-            </a:xfrm>
-            <a:prstGeom prst="rect">
-              <a:avLst/>
-            </a:prstGeom>
-            <a:noFill/>
-          </p:spPr>
-          <p:txBody>
-            <a:bodyPr wrap="square" rtlCol="0">
-              <a:spAutoFit/>
-            </a:bodyPr>
-            <a:lstStyle/>
-            <a:p>
-              <a:r>
-                <a:rPr lang="id-ID" sz="2400" b="1" dirty="0">
-                  <a:latin typeface="Titillium" panose="00000500000000000000" pitchFamily="50" charset="0"/>
-                </a:rPr>
-                <a:t>PHP</a:t>
-              </a:r>
-              <a:endParaRPr lang="en-US" sz="2400" b="1" dirty="0">
-                <a:latin typeface="Titillium" panose="00000500000000000000" pitchFamily="50" charset="0"/>
-              </a:endParaRPr>
-            </a:p>
-          </p:txBody>
-        </p:sp>
-      </p:grpSp>
-      <p:grpSp>
-        <p:nvGrpSpPr>
-          <p:cNvPr id="61" name="Group 60">
-            <a:extLst>
-              <a:ext uri="{FF2B5EF4-FFF2-40B4-BE49-F238E27FC236}">
-                <a16:creationId xmlns:a16="http://schemas.microsoft.com/office/drawing/2014/main" id="{A9D9D9A3-D35D-4561-8B4D-39DBA643A3CC}"/>
-              </a:ext>
-            </a:extLst>
-          </p:cNvPr>
-          <p:cNvGrpSpPr/>
-          <p:nvPr/>
-        </p:nvGrpSpPr>
-        <p:grpSpPr>
-          <a:xfrm>
-            <a:off x="7385545" y="3759976"/>
-            <a:ext cx="3756066" cy="822960"/>
-            <a:chOff x="7223860" y="1309772"/>
-            <a:chExt cx="3756066" cy="822960"/>
-          </a:xfrm>
-        </p:grpSpPr>
-        <p:grpSp>
-          <p:nvGrpSpPr>
-            <p:cNvPr id="62" name="Group 61">
-              <a:extLst>
-                <a:ext uri="{FF2B5EF4-FFF2-40B4-BE49-F238E27FC236}">
-                  <a16:creationId xmlns:a16="http://schemas.microsoft.com/office/drawing/2014/main" id="{870BAEC7-D7E3-4811-B184-59BD89342857}"/>
-                </a:ext>
-              </a:extLst>
-            </p:cNvPr>
-            <p:cNvGrpSpPr/>
-            <p:nvPr/>
-          </p:nvGrpSpPr>
-          <p:grpSpPr>
-            <a:xfrm>
-              <a:off x="7223860" y="1309772"/>
-              <a:ext cx="822960" cy="822960"/>
-              <a:chOff x="6651430" y="1309772"/>
-              <a:chExt cx="822960" cy="822960"/>
-            </a:xfrm>
-          </p:grpSpPr>
-          <p:sp>
-            <p:nvSpPr>
-              <p:cNvPr id="64" name="Oval 63">
-                <a:extLst>
-                  <a:ext uri="{FF2B5EF4-FFF2-40B4-BE49-F238E27FC236}">
-                    <a16:creationId xmlns:a16="http://schemas.microsoft.com/office/drawing/2014/main" id="{D5EB2B58-E3D3-4EEC-AC23-11291FE41676}"/>
-                  </a:ext>
-                </a:extLst>
-              </p:cNvPr>
-              <p:cNvSpPr/>
-              <p:nvPr/>
-            </p:nvSpPr>
-            <p:spPr>
-              <a:xfrm>
-                <a:off x="6651430" y="1309772"/>
-                <a:ext cx="822960" cy="822960"/>
-              </a:xfrm>
-              <a:prstGeom prst="ellipse">
-                <a:avLst/>
-              </a:prstGeom>
-              <a:solidFill>
-                <a:schemeClr val="tx1"/>
-              </a:solidFill>
-              <a:ln>
-                <a:noFill/>
-              </a:ln>
-            </p:spPr>
-            <p:style>
-              <a:lnRef idx="2">
-                <a:schemeClr val="accent1">
-                  <a:shade val="50000"/>
-                </a:schemeClr>
-              </a:lnRef>
-              <a:fillRef idx="1">
-                <a:schemeClr val="accent1"/>
-              </a:fillRef>
-              <a:effectRef idx="0">
-                <a:schemeClr val="accent1"/>
-              </a:effectRef>
-              <a:fontRef idx="minor">
-                <a:schemeClr val="lt1"/>
-              </a:fontRef>
-            </p:style>
-            <p:txBody>
-              <a:bodyPr rtlCol="0" anchor="ctr"/>
-              <a:lstStyle/>
-              <a:p>
-                <a:pPr algn="ctr"/>
-                <a:endParaRPr lang="en-US"/>
-              </a:p>
-            </p:txBody>
-          </p:sp>
-          <p:grpSp>
-            <p:nvGrpSpPr>
-              <p:cNvPr id="65" name="Group 64">
-                <a:extLst>
-                  <a:ext uri="{FF2B5EF4-FFF2-40B4-BE49-F238E27FC236}">
-                    <a16:creationId xmlns:a16="http://schemas.microsoft.com/office/drawing/2014/main" id="{53522B83-0548-418B-A67D-D9D447C6A8CA}"/>
-                  </a:ext>
-                </a:extLst>
-              </p:cNvPr>
-              <p:cNvGrpSpPr/>
-              <p:nvPr/>
-            </p:nvGrpSpPr>
-            <p:grpSpPr>
-              <a:xfrm rot="2700000">
-                <a:off x="6914591" y="1571858"/>
-                <a:ext cx="307162" cy="351442"/>
-                <a:chOff x="2479477" y="1067641"/>
-                <a:chExt cx="719150" cy="822822"/>
-              </a:xfrm>
-              <a:effectLst/>
-            </p:grpSpPr>
-            <p:cxnSp>
-              <p:nvCxnSpPr>
-                <p:cNvPr id="66" name="Straight Connector 65">
-                  <a:extLst>
-                    <a:ext uri="{FF2B5EF4-FFF2-40B4-BE49-F238E27FC236}">
-                      <a16:creationId xmlns:a16="http://schemas.microsoft.com/office/drawing/2014/main" id="{79569916-A9B6-4AE5-A9A1-34F85E02D888}"/>
-                    </a:ext>
-                  </a:extLst>
-                </p:cNvPr>
-                <p:cNvCxnSpPr>
-                  <a:cxnSpLocks/>
-                </p:cNvCxnSpPr>
-                <p:nvPr/>
-              </p:nvCxnSpPr>
-              <p:spPr>
-                <a:xfrm rot="18900000" flipH="1">
-                  <a:off x="2585166" y="1067641"/>
-                  <a:ext cx="613461" cy="579532"/>
-                </a:xfrm>
-                <a:prstGeom prst="line">
-                  <a:avLst/>
-                </a:prstGeom>
-                <a:ln w="95250">
-                  <a:solidFill>
-                    <a:schemeClr val="bg1"/>
-                  </a:solidFill>
-                </a:ln>
-              </p:spPr>
-              <p:style>
-                <a:lnRef idx="1">
-                  <a:schemeClr val="accent1"/>
-                </a:lnRef>
-                <a:fillRef idx="0">
-                  <a:schemeClr val="accent1"/>
-                </a:fillRef>
-                <a:effectRef idx="0">
-                  <a:schemeClr val="accent1"/>
-                </a:effectRef>
-                <a:fontRef idx="minor">
-                  <a:schemeClr val="tx1"/>
-                </a:fontRef>
-              </p:style>
-            </p:cxnSp>
-            <p:cxnSp>
-              <p:nvCxnSpPr>
-                <p:cNvPr id="67" name="Straight Connector 66">
-                  <a:extLst>
-                    <a:ext uri="{FF2B5EF4-FFF2-40B4-BE49-F238E27FC236}">
-                      <a16:creationId xmlns:a16="http://schemas.microsoft.com/office/drawing/2014/main" id="{FA7AE172-622D-42D7-9125-C8BEDC47150A}"/>
-                    </a:ext>
-                  </a:extLst>
-                </p:cNvPr>
-                <p:cNvCxnSpPr>
-                  <a:cxnSpLocks/>
-                </p:cNvCxnSpPr>
-                <p:nvPr/>
-              </p:nvCxnSpPr>
-              <p:spPr>
-                <a:xfrm rot="18900000" flipH="1" flipV="1">
-                  <a:off x="2479477" y="1448704"/>
-                  <a:ext cx="395323" cy="441759"/>
-                </a:xfrm>
-                <a:prstGeom prst="line">
-                  <a:avLst/>
-                </a:prstGeom>
-                <a:ln w="95250">
-                  <a:solidFill>
-                    <a:schemeClr val="bg1"/>
-                  </a:solidFill>
-                </a:ln>
-              </p:spPr>
-              <p:style>
-                <a:lnRef idx="1">
-                  <a:schemeClr val="accent1"/>
-                </a:lnRef>
-                <a:fillRef idx="0">
-                  <a:schemeClr val="accent1"/>
-                </a:fillRef>
-                <a:effectRef idx="0">
-                  <a:schemeClr val="accent1"/>
-                </a:effectRef>
-                <a:fontRef idx="minor">
-                  <a:schemeClr val="tx1"/>
-                </a:fontRef>
-              </p:style>
-            </p:cxnSp>
-          </p:grpSp>
-        </p:grpSp>
-        <p:sp>
-          <p:nvSpPr>
-            <p:cNvPr id="63" name="TextBox 62">
-              <a:extLst>
-                <a:ext uri="{FF2B5EF4-FFF2-40B4-BE49-F238E27FC236}">
-                  <a16:creationId xmlns:a16="http://schemas.microsoft.com/office/drawing/2014/main" id="{E07344C7-AB8E-4952-9EDD-A1CF36664D22}"/>
-                </a:ext>
-              </a:extLst>
-            </p:cNvPr>
-            <p:cNvSpPr txBox="1"/>
-            <p:nvPr/>
-          </p:nvSpPr>
-          <p:spPr>
-            <a:xfrm>
-              <a:off x="8328983" y="1481651"/>
-              <a:ext cx="2650943" cy="461665"/>
-            </a:xfrm>
-            <a:prstGeom prst="rect">
-              <a:avLst/>
-            </a:prstGeom>
-            <a:noFill/>
-          </p:spPr>
-          <p:txBody>
-            <a:bodyPr wrap="square" rtlCol="0">
-              <a:spAutoFit/>
-            </a:bodyPr>
-            <a:lstStyle/>
-            <a:p>
-              <a:r>
-                <a:rPr lang="id-ID" sz="2400" b="1" dirty="0">
-                  <a:latin typeface="Titillium" panose="00000500000000000000" pitchFamily="50" charset="0"/>
-                </a:rPr>
-                <a:t>MYSQL</a:t>
-              </a:r>
-              <a:endParaRPr lang="en-US" sz="2400" b="1" dirty="0">
-                <a:latin typeface="Titillium" panose="00000500000000000000" pitchFamily="50" charset="0"/>
-              </a:endParaRPr>
-            </a:p>
-          </p:txBody>
-        </p:sp>
-      </p:grpSp>
       <p:cxnSp>
         <p:nvCxnSpPr>
           <p:cNvPr id="70" name="Straight Connector 69">
@@ -12685,8 +12201,8 @@
       </p:transition>
     </mc:Fallback>
   </mc:AlternateContent>
-  <mc:AlternateContent xmlns:mc="http://schemas.openxmlformats.org/markup-compatibility/2006">
-    <mc:Choice xmlns:p14="http://schemas.microsoft.com/office/powerpoint/2010/main" Requires="p14">
+  <mc:AlternateContent xmlns:mc="http://schemas.openxmlformats.org/markup-compatibility/2006" xmlns:p14="http://schemas.microsoft.com/office/powerpoint/2010/main">
+    <mc:Choice Requires="p14">
       <p:timing>
         <p:tnLst>
           <p:par>
@@ -12865,179 +12381,15 @@
                                       </p:childTnLst>
                                     </p:cTn>
                                   </p:par>
-                                </p:childTnLst>
-                              </p:cTn>
-                            </p:par>
-                            <p:par>
-                              <p:cTn id="14" fill="hold">
-                                <p:stCondLst>
-                                  <p:cond delay="2000"/>
-                                </p:stCondLst>
-                                <p:childTnLst>
                                   <p:par>
-                                    <p:cTn id="15" presetID="2" presetClass="entr" presetSubtype="2" fill="hold" nodeType="afterEffect" p14:presetBounceEnd="60000">
-                                      <p:stCondLst>
-                                        <p:cond delay="0"/>
-                                      </p:stCondLst>
-                                      <p:childTnLst>
-                                        <p:set>
-                                          <p:cBhvr>
-                                            <p:cTn id="16" dur="1" fill="hold">
-                                              <p:stCondLst>
-                                                <p:cond delay="0"/>
-                                              </p:stCondLst>
-                                            </p:cTn>
-                                            <p:tgtEl>
-                                              <p:spTgt spid="54"/>
-                                            </p:tgtEl>
-                                            <p:attrNameLst>
-                                              <p:attrName>style.visibility</p:attrName>
-                                            </p:attrNameLst>
-                                          </p:cBhvr>
-                                          <p:to>
-                                            <p:strVal val="visible"/>
-                                          </p:to>
-                                        </p:set>
-                                        <p:anim calcmode="lin" valueType="num" p14:bounceEnd="60000">
-                                          <p:cBhvr additive="base">
-                                            <p:cTn id="17" dur="1000" fill="hold"/>
-                                            <p:tgtEl>
-                                              <p:spTgt spid="54"/>
-                                            </p:tgtEl>
-                                            <p:attrNameLst>
-                                              <p:attrName>ppt_x</p:attrName>
-                                            </p:attrNameLst>
-                                          </p:cBhvr>
-                                          <p:tavLst>
-                                            <p:tav tm="0">
-                                              <p:val>
-                                                <p:strVal val="1+#ppt_w/2"/>
-                                              </p:val>
-                                            </p:tav>
-                                            <p:tav tm="100000">
-                                              <p:val>
-                                                <p:strVal val="#ppt_x"/>
-                                              </p:val>
-                                            </p:tav>
-                                          </p:tavLst>
-                                        </p:anim>
-                                        <p:anim calcmode="lin" valueType="num" p14:bounceEnd="60000">
-                                          <p:cBhvr additive="base">
-                                            <p:cTn id="18" dur="1000" fill="hold"/>
-                                            <p:tgtEl>
-                                              <p:spTgt spid="54"/>
-                                            </p:tgtEl>
-                                            <p:attrNameLst>
-                                              <p:attrName>ppt_y</p:attrName>
-                                            </p:attrNameLst>
-                                          </p:cBhvr>
-                                          <p:tavLst>
-                                            <p:tav tm="0">
-                                              <p:val>
-                                                <p:strVal val="#ppt_y"/>
-                                              </p:val>
-                                            </p:tav>
-                                            <p:tav tm="100000">
-                                              <p:val>
-                                                <p:strVal val="#ppt_y"/>
-                                              </p:val>
-                                            </p:tav>
-                                          </p:tavLst>
-                                        </p:anim>
-                                      </p:childTnLst>
-                                    </p:cTn>
-                                  </p:par>
-                                </p:childTnLst>
-                              </p:cTn>
-                            </p:par>
-                            <p:par>
-                              <p:cTn id="19" fill="hold">
-                                <p:stCondLst>
-                                  <p:cond delay="3000"/>
-                                </p:stCondLst>
-                                <p:childTnLst>
-                                  <p:par>
-                                    <p:cTn id="20" presetID="2" presetClass="entr" presetSubtype="2" fill="hold" nodeType="afterEffect" p14:presetBounceEnd="60000">
-                                      <p:stCondLst>
-                                        <p:cond delay="0"/>
-                                      </p:stCondLst>
-                                      <p:childTnLst>
-                                        <p:set>
-                                          <p:cBhvr>
-                                            <p:cTn id="21" dur="1" fill="hold">
-                                              <p:stCondLst>
-                                                <p:cond delay="0"/>
-                                              </p:stCondLst>
-                                            </p:cTn>
-                                            <p:tgtEl>
-                                              <p:spTgt spid="61"/>
-                                            </p:tgtEl>
-                                            <p:attrNameLst>
-                                              <p:attrName>style.visibility</p:attrName>
-                                            </p:attrNameLst>
-                                          </p:cBhvr>
-                                          <p:to>
-                                            <p:strVal val="visible"/>
-                                          </p:to>
-                                        </p:set>
-                                        <p:anim calcmode="lin" valueType="num" p14:bounceEnd="60000">
-                                          <p:cBhvr additive="base">
-                                            <p:cTn id="22" dur="1000" fill="hold"/>
-                                            <p:tgtEl>
-                                              <p:spTgt spid="61"/>
-                                            </p:tgtEl>
-                                            <p:attrNameLst>
-                                              <p:attrName>ppt_x</p:attrName>
-                                            </p:attrNameLst>
-                                          </p:cBhvr>
-                                          <p:tavLst>
-                                            <p:tav tm="0">
-                                              <p:val>
-                                                <p:strVal val="1+#ppt_w/2"/>
-                                              </p:val>
-                                            </p:tav>
-                                            <p:tav tm="100000">
-                                              <p:val>
-                                                <p:strVal val="#ppt_x"/>
-                                              </p:val>
-                                            </p:tav>
-                                          </p:tavLst>
-                                        </p:anim>
-                                        <p:anim calcmode="lin" valueType="num" p14:bounceEnd="60000">
-                                          <p:cBhvr additive="base">
-                                            <p:cTn id="23" dur="1000" fill="hold"/>
-                                            <p:tgtEl>
-                                              <p:spTgt spid="61"/>
-                                            </p:tgtEl>
-                                            <p:attrNameLst>
-                                              <p:attrName>ppt_y</p:attrName>
-                                            </p:attrNameLst>
-                                          </p:cBhvr>
-                                          <p:tavLst>
-                                            <p:tav tm="0">
-                                              <p:val>
-                                                <p:strVal val="#ppt_y"/>
-                                              </p:val>
-                                            </p:tav>
-                                            <p:tav tm="100000">
-                                              <p:val>
-                                                <p:strVal val="#ppt_y"/>
-                                              </p:val>
-                                            </p:tav>
-                                          </p:tavLst>
-                                        </p:anim>
-                                      </p:childTnLst>
-                                    </p:cTn>
-                                  </p:par>
-                                  <p:par>
-                                    <p:cTn id="24" presetID="2" presetClass="entr" presetSubtype="2" fill="hold" grpId="0" nodeType="withEffect" p14:presetBounceEnd="60000">
+                                    <p:cTn id="14" presetID="2" presetClass="entr" presetSubtype="2" fill="hold" grpId="0" nodeType="withEffect" p14:presetBounceEnd="60000">
                                       <p:stCondLst>
                                         <p:cond delay="250"/>
                                       </p:stCondLst>
                                       <p:childTnLst>
                                         <p:set>
                                           <p:cBhvr>
-                                            <p:cTn id="25" dur="1" fill="hold">
+                                            <p:cTn id="15" dur="1" fill="hold">
                                               <p:stCondLst>
                                                 <p:cond delay="0"/>
                                               </p:stCondLst>
@@ -13055,7 +12407,7 @@
                                         </p:set>
                                         <p:anim calcmode="lin" valueType="num" p14:bounceEnd="60000">
                                           <p:cBhvr additive="base">
-                                            <p:cTn id="26" dur="1000" fill="hold"/>
+                                            <p:cTn id="16" dur="1000" fill="hold"/>
                                             <p:tgtEl>
                                               <p:spTgt spid="71"/>
                                             </p:tgtEl>
@@ -13078,7 +12430,7 @@
                                         </p:anim>
                                         <p:anim calcmode="lin" valueType="num" p14:bounceEnd="60000">
                                           <p:cBhvr additive="base">
-                                            <p:cTn id="27" dur="1000" fill="hold"/>
+                                            <p:cTn id="17" dur="1000" fill="hold"/>
                                             <p:tgtEl>
                                               <p:spTgt spid="71"/>
                                             </p:tgtEl>
@@ -13134,7 +12486,7 @@
         </p:bldLst>
       </p:timing>
     </mc:Choice>
-    <mc:Fallback>
+    <mc:Fallback xmlns="">
       <p:timing>
         <p:tnLst>
           <p:par>
